--- a/Day1-BasicEAMs/2-Models.pptx
+++ b/Day1-BasicEAMs/2-Models.pptx
@@ -3999,7 +3999,7 @@
         </p:blipFill>
         <p:spPr>
           <a:xfrm>
-            <a:off x="5662127" y="286709"/>
+            <a:off x="4960379" y="2001297"/>
             <a:ext cx="5047861" cy="4745335"/>
           </a:xfrm>
           <a:prstGeom prst="rect">
@@ -5880,7 +5880,7 @@
                       <a:noFill/>
                       <a:extLst>
                         <a:ext uri="{909E8E84-426E-40dd-AFC4-6F175D3DCCD1}">
-                          <a14:hiddenFill xmlns:a14="http://schemas.microsoft.com/office/drawing/2010/main" xmlns="">
+                          <a14:hiddenFill xmlns="" xmlns:a14="http://schemas.microsoft.com/office/drawing/2010/main">
                             <a:solidFill>
                               <a:srgbClr val="FFFFFF"/>
                             </a:solidFill>
@@ -5994,7 +5994,7 @@
                       <a:noFill/>
                       <a:extLst>
                         <a:ext uri="{909E8E84-426E-40dd-AFC4-6F175D3DCCD1}">
-                          <a14:hiddenFill xmlns:a14="http://schemas.microsoft.com/office/drawing/2010/main" xmlns="">
+                          <a14:hiddenFill xmlns="" xmlns:a14="http://schemas.microsoft.com/office/drawing/2010/main">
                             <a:solidFill>
                               <a:srgbClr val="FFFFFF"/>
                             </a:solidFill>
@@ -6153,7 +6153,7 @@
                       <a:noFill/>
                       <a:extLst>
                         <a:ext uri="{909E8E84-426E-40dd-AFC4-6F175D3DCCD1}">
-                          <a14:hiddenFill xmlns:a14="http://schemas.microsoft.com/office/drawing/2010/main" xmlns="">
+                          <a14:hiddenFill xmlns="" xmlns:a14="http://schemas.microsoft.com/office/drawing/2010/main">
                             <a:solidFill>
                               <a:srgbClr val="FFFFFF"/>
                             </a:solidFill>
